--- a/new_presentation.pptx
+++ b/new_presentation.pptx
@@ -4292,7 +4292,7 @@
               <a:buAutoNum type="arabicParenR"/>
             </a:pPr>
             <a:r>
-              <a:rPr lang="en-US" smtClean="0" sz="1000">
+              <a:rPr lang="en-US" smtClean="0">
                 <a:solidFill>
                   <a:srgbClr val="CC0000"/>
                 </a:solidFill>
@@ -4308,7 +4308,7 @@
               <a:buAutoNum type="arabicParenR"/>
             </a:pPr>
             <a:r>
-              <a:rPr lang="en-US" smtClean="0" sz="1000">
+              <a:rPr lang="en-US" smtClean="0">
                 <a:solidFill>
                   <a:srgbClr val="CC0000"/>
                 </a:solidFill>
@@ -4747,7 +4747,7 @@
               <a:buAutoNum type="arabicParenR"/>
             </a:pPr>
             <a:r>
-              <a:rPr lang="en-US" smtClean="0" sz="1000">
+              <a:rPr lang="en-US" smtClean="0">
                 <a:solidFill>
                   <a:srgbClr val="CC0000"/>
                 </a:solidFill>
@@ -4763,7 +4763,7 @@
               <a:buAutoNum type="arabicParenR"/>
             </a:pPr>
             <a:r>
-              <a:rPr lang="en-US" smtClean="0" sz="1000">
+              <a:rPr lang="en-US" smtClean="0">
                 <a:solidFill>
                   <a:srgbClr val="CC0000"/>
                 </a:solidFill>
